--- a/ppt 16-9/1283.兴起！主日学.pptx
+++ b/ppt 16-9/1283.兴起！主日学.pptx
@@ -129,7 +129,7 @@
           <p:cNvPr id="2" name="标题 1">
             <a:extLst>
               <a:ext uri="{FF2B5EF4-FFF2-40B4-BE49-F238E27FC236}">
-                <a16:creationId xmlns:a16="http://schemas.microsoft.com/office/drawing/2014/main" id="{81E70958-7608-560C-4F6B-F4A960F89176}"/>
+                <a16:creationId xmlns:a16="http://schemas.microsoft.com/office/drawing/2014/main" id="{6703E253-5C84-6A40-5DCD-271161B99C53}"/>
               </a:ext>
             </a:extLst>
           </p:cNvPr>
@@ -166,7 +166,7 @@
           <p:cNvPr id="3" name="副标题 2">
             <a:extLst>
               <a:ext uri="{FF2B5EF4-FFF2-40B4-BE49-F238E27FC236}">
-                <a16:creationId xmlns:a16="http://schemas.microsoft.com/office/drawing/2014/main" id="{0FE7B389-8197-B9D4-4B9E-A066CE5ADB79}"/>
+                <a16:creationId xmlns:a16="http://schemas.microsoft.com/office/drawing/2014/main" id="{DACFD030-2633-1E50-0225-6A094363B421}"/>
               </a:ext>
             </a:extLst>
           </p:cNvPr>
@@ -236,7 +236,7 @@
           <p:cNvPr id="4" name="日期占位符 3">
             <a:extLst>
               <a:ext uri="{FF2B5EF4-FFF2-40B4-BE49-F238E27FC236}">
-                <a16:creationId xmlns:a16="http://schemas.microsoft.com/office/drawing/2014/main" id="{791FB44F-DCA1-72BC-4F0D-5576BC0D689A}"/>
+                <a16:creationId xmlns:a16="http://schemas.microsoft.com/office/drawing/2014/main" id="{E0C1EB02-7825-D46A-8451-C321414C8F5D}"/>
               </a:ext>
             </a:extLst>
           </p:cNvPr>
@@ -252,7 +252,7 @@
           <a:bodyPr/>
           <a:lstStyle/>
           <a:p>
-            <a:fld id="{629E09D4-D39B-43CF-B880-F4A5C2CAB751}" type="datetimeFigureOut">
+            <a:fld id="{E97FD55F-3445-4D0E-B656-FE48897A5F48}" type="datetimeFigureOut">
               <a:rPr lang="zh-CN" altLang="en-US" smtClean="0"/>
               <a:t>2024/3/10</a:t>
             </a:fld>
@@ -265,7 +265,7 @@
           <p:cNvPr id="5" name="页脚占位符 4">
             <a:extLst>
               <a:ext uri="{FF2B5EF4-FFF2-40B4-BE49-F238E27FC236}">
-                <a16:creationId xmlns:a16="http://schemas.microsoft.com/office/drawing/2014/main" id="{74F17DD0-66FD-B4A7-A92F-9E22872C7A46}"/>
+                <a16:creationId xmlns:a16="http://schemas.microsoft.com/office/drawing/2014/main" id="{2B57E5DE-900F-BA99-8A51-E5691BA60A8A}"/>
               </a:ext>
             </a:extLst>
           </p:cNvPr>
@@ -290,7 +290,7 @@
           <p:cNvPr id="6" name="灯片编号占位符 5">
             <a:extLst>
               <a:ext uri="{FF2B5EF4-FFF2-40B4-BE49-F238E27FC236}">
-                <a16:creationId xmlns:a16="http://schemas.microsoft.com/office/drawing/2014/main" id="{F518289B-B6E0-D4B3-1B44-ADF00CB0E7B7}"/>
+                <a16:creationId xmlns:a16="http://schemas.microsoft.com/office/drawing/2014/main" id="{F251750A-3C24-C001-7EC4-CE77BD4C139C}"/>
               </a:ext>
             </a:extLst>
           </p:cNvPr>
@@ -306,7 +306,7 @@
           <a:bodyPr/>
           <a:lstStyle/>
           <a:p>
-            <a:fld id="{5494D30A-6C94-4C60-86B7-45C311EA53FD}" type="slidenum">
+            <a:fld id="{5AEBF2D7-650D-4A20-9A01-806A6D1F334E}" type="slidenum">
               <a:rPr lang="zh-CN" altLang="en-US" smtClean="0"/>
               <a:t>‹#›</a:t>
             </a:fld>
@@ -317,7 +317,7 @@
     </p:spTree>
     <p:extLst>
       <p:ext uri="{BB962C8B-B14F-4D97-AF65-F5344CB8AC3E}">
-        <p14:creationId xmlns:p14="http://schemas.microsoft.com/office/powerpoint/2010/main" val="3384193614"/>
+        <p14:creationId xmlns:p14="http://schemas.microsoft.com/office/powerpoint/2010/main" val="542980589"/>
       </p:ext>
     </p:extLst>
   </p:cSld>
@@ -349,7 +349,7 @@
           <p:cNvPr id="2" name="标题 1">
             <a:extLst>
               <a:ext uri="{FF2B5EF4-FFF2-40B4-BE49-F238E27FC236}">
-                <a16:creationId xmlns:a16="http://schemas.microsoft.com/office/drawing/2014/main" id="{E02CCF2F-BD1E-D8B9-1B1B-D844A9F908E3}"/>
+                <a16:creationId xmlns:a16="http://schemas.microsoft.com/office/drawing/2014/main" id="{5155D21F-9E3D-A407-6A6D-8C6A60AF9B0E}"/>
               </a:ext>
             </a:extLst>
           </p:cNvPr>
@@ -377,7 +377,7 @@
           <p:cNvPr id="3" name="竖排文字占位符 2">
             <a:extLst>
               <a:ext uri="{FF2B5EF4-FFF2-40B4-BE49-F238E27FC236}">
-                <a16:creationId xmlns:a16="http://schemas.microsoft.com/office/drawing/2014/main" id="{46CF8675-DB78-2118-6761-1C7FADAEE226}"/>
+                <a16:creationId xmlns:a16="http://schemas.microsoft.com/office/drawing/2014/main" id="{EA5C54E7-BECE-2180-D1C5-CA134E5D6F36}"/>
               </a:ext>
             </a:extLst>
           </p:cNvPr>
@@ -434,7 +434,7 @@
           <p:cNvPr id="4" name="日期占位符 3">
             <a:extLst>
               <a:ext uri="{FF2B5EF4-FFF2-40B4-BE49-F238E27FC236}">
-                <a16:creationId xmlns:a16="http://schemas.microsoft.com/office/drawing/2014/main" id="{BB025E48-A626-6583-1FF6-F11635A09871}"/>
+                <a16:creationId xmlns:a16="http://schemas.microsoft.com/office/drawing/2014/main" id="{6096CAA6-E475-F77A-0B78-84CC6CE0BD73}"/>
               </a:ext>
             </a:extLst>
           </p:cNvPr>
@@ -450,7 +450,7 @@
           <a:bodyPr/>
           <a:lstStyle/>
           <a:p>
-            <a:fld id="{629E09D4-D39B-43CF-B880-F4A5C2CAB751}" type="datetimeFigureOut">
+            <a:fld id="{E97FD55F-3445-4D0E-B656-FE48897A5F48}" type="datetimeFigureOut">
               <a:rPr lang="zh-CN" altLang="en-US" smtClean="0"/>
               <a:t>2024/3/10</a:t>
             </a:fld>
@@ -463,7 +463,7 @@
           <p:cNvPr id="5" name="页脚占位符 4">
             <a:extLst>
               <a:ext uri="{FF2B5EF4-FFF2-40B4-BE49-F238E27FC236}">
-                <a16:creationId xmlns:a16="http://schemas.microsoft.com/office/drawing/2014/main" id="{D692A754-573A-2912-D52D-036A0FA46EDB}"/>
+                <a16:creationId xmlns:a16="http://schemas.microsoft.com/office/drawing/2014/main" id="{931F1A65-2C7F-E2B4-46E1-110A7C12B08F}"/>
               </a:ext>
             </a:extLst>
           </p:cNvPr>
@@ -488,7 +488,7 @@
           <p:cNvPr id="6" name="灯片编号占位符 5">
             <a:extLst>
               <a:ext uri="{FF2B5EF4-FFF2-40B4-BE49-F238E27FC236}">
-                <a16:creationId xmlns:a16="http://schemas.microsoft.com/office/drawing/2014/main" id="{729550E1-1180-1CB0-8ACD-B5079FC02A5F}"/>
+                <a16:creationId xmlns:a16="http://schemas.microsoft.com/office/drawing/2014/main" id="{13714E5B-B66E-7E63-7D1B-664B81EBED82}"/>
               </a:ext>
             </a:extLst>
           </p:cNvPr>
@@ -504,7 +504,7 @@
           <a:bodyPr/>
           <a:lstStyle/>
           <a:p>
-            <a:fld id="{5494D30A-6C94-4C60-86B7-45C311EA53FD}" type="slidenum">
+            <a:fld id="{5AEBF2D7-650D-4A20-9A01-806A6D1F334E}" type="slidenum">
               <a:rPr lang="zh-CN" altLang="en-US" smtClean="0"/>
               <a:t>‹#›</a:t>
             </a:fld>
@@ -515,7 +515,7 @@
     </p:spTree>
     <p:extLst>
       <p:ext uri="{BB962C8B-B14F-4D97-AF65-F5344CB8AC3E}">
-        <p14:creationId xmlns:p14="http://schemas.microsoft.com/office/powerpoint/2010/main" val="3393629327"/>
+        <p14:creationId xmlns:p14="http://schemas.microsoft.com/office/powerpoint/2010/main" val="3005794754"/>
       </p:ext>
     </p:extLst>
   </p:cSld>
@@ -547,7 +547,7 @@
           <p:cNvPr id="2" name="竖排标题 1">
             <a:extLst>
               <a:ext uri="{FF2B5EF4-FFF2-40B4-BE49-F238E27FC236}">
-                <a16:creationId xmlns:a16="http://schemas.microsoft.com/office/drawing/2014/main" id="{BFE0EDA8-2BAB-E698-1E66-4A70FDF50373}"/>
+                <a16:creationId xmlns:a16="http://schemas.microsoft.com/office/drawing/2014/main" id="{081BE961-DF44-8F6C-8D73-4ADEEE19EC7D}"/>
               </a:ext>
             </a:extLst>
           </p:cNvPr>
@@ -580,7 +580,7 @@
           <p:cNvPr id="3" name="竖排文字占位符 2">
             <a:extLst>
               <a:ext uri="{FF2B5EF4-FFF2-40B4-BE49-F238E27FC236}">
-                <a16:creationId xmlns:a16="http://schemas.microsoft.com/office/drawing/2014/main" id="{37CB0642-FDC3-3E8C-A869-3AAC9A2555D0}"/>
+                <a16:creationId xmlns:a16="http://schemas.microsoft.com/office/drawing/2014/main" id="{345C6B8E-1E28-2C09-B93B-071AD8576F42}"/>
               </a:ext>
             </a:extLst>
           </p:cNvPr>
@@ -642,7 +642,7 @@
           <p:cNvPr id="4" name="日期占位符 3">
             <a:extLst>
               <a:ext uri="{FF2B5EF4-FFF2-40B4-BE49-F238E27FC236}">
-                <a16:creationId xmlns:a16="http://schemas.microsoft.com/office/drawing/2014/main" id="{96241C7E-68F4-B256-CF9E-F811644260C0}"/>
+                <a16:creationId xmlns:a16="http://schemas.microsoft.com/office/drawing/2014/main" id="{E52E204C-DCF3-80D8-3AA7-49E84CC13445}"/>
               </a:ext>
             </a:extLst>
           </p:cNvPr>
@@ -658,7 +658,7 @@
           <a:bodyPr/>
           <a:lstStyle/>
           <a:p>
-            <a:fld id="{629E09D4-D39B-43CF-B880-F4A5C2CAB751}" type="datetimeFigureOut">
+            <a:fld id="{E97FD55F-3445-4D0E-B656-FE48897A5F48}" type="datetimeFigureOut">
               <a:rPr lang="zh-CN" altLang="en-US" smtClean="0"/>
               <a:t>2024/3/10</a:t>
             </a:fld>
@@ -671,7 +671,7 @@
           <p:cNvPr id="5" name="页脚占位符 4">
             <a:extLst>
               <a:ext uri="{FF2B5EF4-FFF2-40B4-BE49-F238E27FC236}">
-                <a16:creationId xmlns:a16="http://schemas.microsoft.com/office/drawing/2014/main" id="{6C013603-BFF9-ABFA-5588-9B62589448CB}"/>
+                <a16:creationId xmlns:a16="http://schemas.microsoft.com/office/drawing/2014/main" id="{36067370-7D46-9989-827E-7B8103F5DEF6}"/>
               </a:ext>
             </a:extLst>
           </p:cNvPr>
@@ -696,7 +696,7 @@
           <p:cNvPr id="6" name="灯片编号占位符 5">
             <a:extLst>
               <a:ext uri="{FF2B5EF4-FFF2-40B4-BE49-F238E27FC236}">
-                <a16:creationId xmlns:a16="http://schemas.microsoft.com/office/drawing/2014/main" id="{2C696752-9F0E-59FA-4E53-F26E9BC13849}"/>
+                <a16:creationId xmlns:a16="http://schemas.microsoft.com/office/drawing/2014/main" id="{D14BB84F-FE12-19B6-1829-5368F9BBC460}"/>
               </a:ext>
             </a:extLst>
           </p:cNvPr>
@@ -712,7 +712,7 @@
           <a:bodyPr/>
           <a:lstStyle/>
           <a:p>
-            <a:fld id="{5494D30A-6C94-4C60-86B7-45C311EA53FD}" type="slidenum">
+            <a:fld id="{5AEBF2D7-650D-4A20-9A01-806A6D1F334E}" type="slidenum">
               <a:rPr lang="zh-CN" altLang="en-US" smtClean="0"/>
               <a:t>‹#›</a:t>
             </a:fld>
@@ -723,7 +723,7 @@
     </p:spTree>
     <p:extLst>
       <p:ext uri="{BB962C8B-B14F-4D97-AF65-F5344CB8AC3E}">
-        <p14:creationId xmlns:p14="http://schemas.microsoft.com/office/powerpoint/2010/main" val="3357968233"/>
+        <p14:creationId xmlns:p14="http://schemas.microsoft.com/office/powerpoint/2010/main" val="3974032874"/>
       </p:ext>
     </p:extLst>
   </p:cSld>
@@ -755,7 +755,7 @@
           <p:cNvPr id="2" name="标题 1">
             <a:extLst>
               <a:ext uri="{FF2B5EF4-FFF2-40B4-BE49-F238E27FC236}">
-                <a16:creationId xmlns:a16="http://schemas.microsoft.com/office/drawing/2014/main" id="{3321A5B7-ED35-1AD4-0A90-D20E8E369F97}"/>
+                <a16:creationId xmlns:a16="http://schemas.microsoft.com/office/drawing/2014/main" id="{F3779F7F-A9B2-627D-94C4-68E97856CDC6}"/>
               </a:ext>
             </a:extLst>
           </p:cNvPr>
@@ -783,7 +783,7 @@
           <p:cNvPr id="3" name="内容占位符 2">
             <a:extLst>
               <a:ext uri="{FF2B5EF4-FFF2-40B4-BE49-F238E27FC236}">
-                <a16:creationId xmlns:a16="http://schemas.microsoft.com/office/drawing/2014/main" id="{3FCCEAA3-B630-07B6-36A3-44C988F64E34}"/>
+                <a16:creationId xmlns:a16="http://schemas.microsoft.com/office/drawing/2014/main" id="{5A571D66-0F80-D163-3383-5A5EFADC5708}"/>
               </a:ext>
             </a:extLst>
           </p:cNvPr>
@@ -840,7 +840,7 @@
           <p:cNvPr id="4" name="日期占位符 3">
             <a:extLst>
               <a:ext uri="{FF2B5EF4-FFF2-40B4-BE49-F238E27FC236}">
-                <a16:creationId xmlns:a16="http://schemas.microsoft.com/office/drawing/2014/main" id="{37FEF90F-C0C2-187A-9817-E08C1B2220EB}"/>
+                <a16:creationId xmlns:a16="http://schemas.microsoft.com/office/drawing/2014/main" id="{5EEAD713-B467-D633-D03D-2C166FD44859}"/>
               </a:ext>
             </a:extLst>
           </p:cNvPr>
@@ -856,7 +856,7 @@
           <a:bodyPr/>
           <a:lstStyle/>
           <a:p>
-            <a:fld id="{629E09D4-D39B-43CF-B880-F4A5C2CAB751}" type="datetimeFigureOut">
+            <a:fld id="{E97FD55F-3445-4D0E-B656-FE48897A5F48}" type="datetimeFigureOut">
               <a:rPr lang="zh-CN" altLang="en-US" smtClean="0"/>
               <a:t>2024/3/10</a:t>
             </a:fld>
@@ -869,7 +869,7 @@
           <p:cNvPr id="5" name="页脚占位符 4">
             <a:extLst>
               <a:ext uri="{FF2B5EF4-FFF2-40B4-BE49-F238E27FC236}">
-                <a16:creationId xmlns:a16="http://schemas.microsoft.com/office/drawing/2014/main" id="{4A02338C-528D-5F0B-16FB-6326070B3FD0}"/>
+                <a16:creationId xmlns:a16="http://schemas.microsoft.com/office/drawing/2014/main" id="{6B92AEE6-95C0-97DA-45AE-CDA8A3DAD802}"/>
               </a:ext>
             </a:extLst>
           </p:cNvPr>
@@ -894,7 +894,7 @@
           <p:cNvPr id="6" name="灯片编号占位符 5">
             <a:extLst>
               <a:ext uri="{FF2B5EF4-FFF2-40B4-BE49-F238E27FC236}">
-                <a16:creationId xmlns:a16="http://schemas.microsoft.com/office/drawing/2014/main" id="{F1E0BF3E-9FB6-97FB-A5AF-078AA00C1DC6}"/>
+                <a16:creationId xmlns:a16="http://schemas.microsoft.com/office/drawing/2014/main" id="{AD8261E7-AFA5-6B78-9113-161B21DD771E}"/>
               </a:ext>
             </a:extLst>
           </p:cNvPr>
@@ -910,7 +910,7 @@
           <a:bodyPr/>
           <a:lstStyle/>
           <a:p>
-            <a:fld id="{5494D30A-6C94-4C60-86B7-45C311EA53FD}" type="slidenum">
+            <a:fld id="{5AEBF2D7-650D-4A20-9A01-806A6D1F334E}" type="slidenum">
               <a:rPr lang="zh-CN" altLang="en-US" smtClean="0"/>
               <a:t>‹#›</a:t>
             </a:fld>
@@ -921,7 +921,7 @@
     </p:spTree>
     <p:extLst>
       <p:ext uri="{BB962C8B-B14F-4D97-AF65-F5344CB8AC3E}">
-        <p14:creationId xmlns:p14="http://schemas.microsoft.com/office/powerpoint/2010/main" val="2251346277"/>
+        <p14:creationId xmlns:p14="http://schemas.microsoft.com/office/powerpoint/2010/main" val="886158784"/>
       </p:ext>
     </p:extLst>
   </p:cSld>
@@ -953,7 +953,7 @@
           <p:cNvPr id="2" name="标题 1">
             <a:extLst>
               <a:ext uri="{FF2B5EF4-FFF2-40B4-BE49-F238E27FC236}">
-                <a16:creationId xmlns:a16="http://schemas.microsoft.com/office/drawing/2014/main" id="{3FE1DB9A-8F4D-5EC0-47F7-1770D8566BD6}"/>
+                <a16:creationId xmlns:a16="http://schemas.microsoft.com/office/drawing/2014/main" id="{29299500-C292-A2E2-0806-F0870CB038D2}"/>
               </a:ext>
             </a:extLst>
           </p:cNvPr>
@@ -990,7 +990,7 @@
           <p:cNvPr id="3" name="文本占位符 2">
             <a:extLst>
               <a:ext uri="{FF2B5EF4-FFF2-40B4-BE49-F238E27FC236}">
-                <a16:creationId xmlns:a16="http://schemas.microsoft.com/office/drawing/2014/main" id="{7222D71A-3AC0-3F2B-97C5-AA67FC3FD377}"/>
+                <a16:creationId xmlns:a16="http://schemas.microsoft.com/office/drawing/2014/main" id="{54C5B7F0-0672-1A8A-9E56-3B8A92F53327}"/>
               </a:ext>
             </a:extLst>
           </p:cNvPr>
@@ -1115,7 +1115,7 @@
           <p:cNvPr id="4" name="日期占位符 3">
             <a:extLst>
               <a:ext uri="{FF2B5EF4-FFF2-40B4-BE49-F238E27FC236}">
-                <a16:creationId xmlns:a16="http://schemas.microsoft.com/office/drawing/2014/main" id="{8BBF57F0-A4FD-A22E-0BFE-2808391EDD5F}"/>
+                <a16:creationId xmlns:a16="http://schemas.microsoft.com/office/drawing/2014/main" id="{1A0395C2-173F-3888-B928-9991404A344B}"/>
               </a:ext>
             </a:extLst>
           </p:cNvPr>
@@ -1131,7 +1131,7 @@
           <a:bodyPr/>
           <a:lstStyle/>
           <a:p>
-            <a:fld id="{629E09D4-D39B-43CF-B880-F4A5C2CAB751}" type="datetimeFigureOut">
+            <a:fld id="{E97FD55F-3445-4D0E-B656-FE48897A5F48}" type="datetimeFigureOut">
               <a:rPr lang="zh-CN" altLang="en-US" smtClean="0"/>
               <a:t>2024/3/10</a:t>
             </a:fld>
@@ -1144,7 +1144,7 @@
           <p:cNvPr id="5" name="页脚占位符 4">
             <a:extLst>
               <a:ext uri="{FF2B5EF4-FFF2-40B4-BE49-F238E27FC236}">
-                <a16:creationId xmlns:a16="http://schemas.microsoft.com/office/drawing/2014/main" id="{76BAE7EC-D294-A681-997C-74991899CEA4}"/>
+                <a16:creationId xmlns:a16="http://schemas.microsoft.com/office/drawing/2014/main" id="{87E7C587-FCA5-B0B4-C5FD-29F8337101A3}"/>
               </a:ext>
             </a:extLst>
           </p:cNvPr>
@@ -1169,7 +1169,7 @@
           <p:cNvPr id="6" name="灯片编号占位符 5">
             <a:extLst>
               <a:ext uri="{FF2B5EF4-FFF2-40B4-BE49-F238E27FC236}">
-                <a16:creationId xmlns:a16="http://schemas.microsoft.com/office/drawing/2014/main" id="{54E82081-469A-9742-92BD-CDB27831E641}"/>
+                <a16:creationId xmlns:a16="http://schemas.microsoft.com/office/drawing/2014/main" id="{AA260192-8FA9-0198-2576-BF3E98984532}"/>
               </a:ext>
             </a:extLst>
           </p:cNvPr>
@@ -1185,7 +1185,7 @@
           <a:bodyPr/>
           <a:lstStyle/>
           <a:p>
-            <a:fld id="{5494D30A-6C94-4C60-86B7-45C311EA53FD}" type="slidenum">
+            <a:fld id="{5AEBF2D7-650D-4A20-9A01-806A6D1F334E}" type="slidenum">
               <a:rPr lang="zh-CN" altLang="en-US" smtClean="0"/>
               <a:t>‹#›</a:t>
             </a:fld>
@@ -1196,7 +1196,7 @@
     </p:spTree>
     <p:extLst>
       <p:ext uri="{BB962C8B-B14F-4D97-AF65-F5344CB8AC3E}">
-        <p14:creationId xmlns:p14="http://schemas.microsoft.com/office/powerpoint/2010/main" val="1642552512"/>
+        <p14:creationId xmlns:p14="http://schemas.microsoft.com/office/powerpoint/2010/main" val="697221310"/>
       </p:ext>
     </p:extLst>
   </p:cSld>
@@ -1228,7 +1228,7 @@
           <p:cNvPr id="2" name="标题 1">
             <a:extLst>
               <a:ext uri="{FF2B5EF4-FFF2-40B4-BE49-F238E27FC236}">
-                <a16:creationId xmlns:a16="http://schemas.microsoft.com/office/drawing/2014/main" id="{EF09193F-9741-B5FA-614E-694D27B876E9}"/>
+                <a16:creationId xmlns:a16="http://schemas.microsoft.com/office/drawing/2014/main" id="{F646380C-EB7D-EAAE-6176-3566BFF4C43A}"/>
               </a:ext>
             </a:extLst>
           </p:cNvPr>
@@ -1256,7 +1256,7 @@
           <p:cNvPr id="3" name="内容占位符 2">
             <a:extLst>
               <a:ext uri="{FF2B5EF4-FFF2-40B4-BE49-F238E27FC236}">
-                <a16:creationId xmlns:a16="http://schemas.microsoft.com/office/drawing/2014/main" id="{A89929A6-E41D-D6DC-198C-619D4B803314}"/>
+                <a16:creationId xmlns:a16="http://schemas.microsoft.com/office/drawing/2014/main" id="{01A86CF0-802B-A0D8-8727-37C2FCC5CDF0}"/>
               </a:ext>
             </a:extLst>
           </p:cNvPr>
@@ -1318,7 +1318,7 @@
           <p:cNvPr id="4" name="内容占位符 3">
             <a:extLst>
               <a:ext uri="{FF2B5EF4-FFF2-40B4-BE49-F238E27FC236}">
-                <a16:creationId xmlns:a16="http://schemas.microsoft.com/office/drawing/2014/main" id="{123032F9-F2F8-529B-1061-E1BCC7C8B0C7}"/>
+                <a16:creationId xmlns:a16="http://schemas.microsoft.com/office/drawing/2014/main" id="{4B28E3B9-9BCC-4DA5-F11C-548E893E1B95}"/>
               </a:ext>
             </a:extLst>
           </p:cNvPr>
@@ -1380,7 +1380,7 @@
           <p:cNvPr id="5" name="日期占位符 4">
             <a:extLst>
               <a:ext uri="{FF2B5EF4-FFF2-40B4-BE49-F238E27FC236}">
-                <a16:creationId xmlns:a16="http://schemas.microsoft.com/office/drawing/2014/main" id="{1DBD0F3E-E2FA-68A9-3B91-9EDFADDC364E}"/>
+                <a16:creationId xmlns:a16="http://schemas.microsoft.com/office/drawing/2014/main" id="{E3AF8000-EFB1-C878-2DAB-EBC0037C7F78}"/>
               </a:ext>
             </a:extLst>
           </p:cNvPr>
@@ -1396,7 +1396,7 @@
           <a:bodyPr/>
           <a:lstStyle/>
           <a:p>
-            <a:fld id="{629E09D4-D39B-43CF-B880-F4A5C2CAB751}" type="datetimeFigureOut">
+            <a:fld id="{E97FD55F-3445-4D0E-B656-FE48897A5F48}" type="datetimeFigureOut">
               <a:rPr lang="zh-CN" altLang="en-US" smtClean="0"/>
               <a:t>2024/3/10</a:t>
             </a:fld>
@@ -1409,7 +1409,7 @@
           <p:cNvPr id="6" name="页脚占位符 5">
             <a:extLst>
               <a:ext uri="{FF2B5EF4-FFF2-40B4-BE49-F238E27FC236}">
-                <a16:creationId xmlns:a16="http://schemas.microsoft.com/office/drawing/2014/main" id="{B822E550-BC66-8EC5-D7CE-58D07E6B9E87}"/>
+                <a16:creationId xmlns:a16="http://schemas.microsoft.com/office/drawing/2014/main" id="{EE537834-B9CA-F256-B6C1-CB56A2A2F231}"/>
               </a:ext>
             </a:extLst>
           </p:cNvPr>
@@ -1434,7 +1434,7 @@
           <p:cNvPr id="7" name="灯片编号占位符 6">
             <a:extLst>
               <a:ext uri="{FF2B5EF4-FFF2-40B4-BE49-F238E27FC236}">
-                <a16:creationId xmlns:a16="http://schemas.microsoft.com/office/drawing/2014/main" id="{965976F6-2ADF-FAC6-41B4-26328D3279E2}"/>
+                <a16:creationId xmlns:a16="http://schemas.microsoft.com/office/drawing/2014/main" id="{0AC8C1D6-5AE1-13D7-440B-553CC6C760D4}"/>
               </a:ext>
             </a:extLst>
           </p:cNvPr>
@@ -1450,7 +1450,7 @@
           <a:bodyPr/>
           <a:lstStyle/>
           <a:p>
-            <a:fld id="{5494D30A-6C94-4C60-86B7-45C311EA53FD}" type="slidenum">
+            <a:fld id="{5AEBF2D7-650D-4A20-9A01-806A6D1F334E}" type="slidenum">
               <a:rPr lang="zh-CN" altLang="en-US" smtClean="0"/>
               <a:t>‹#›</a:t>
             </a:fld>
@@ -1461,7 +1461,7 @@
     </p:spTree>
     <p:extLst>
       <p:ext uri="{BB962C8B-B14F-4D97-AF65-F5344CB8AC3E}">
-        <p14:creationId xmlns:p14="http://schemas.microsoft.com/office/powerpoint/2010/main" val="602859025"/>
+        <p14:creationId xmlns:p14="http://schemas.microsoft.com/office/powerpoint/2010/main" val="1962025569"/>
       </p:ext>
     </p:extLst>
   </p:cSld>
@@ -1493,7 +1493,7 @@
           <p:cNvPr id="2" name="标题 1">
             <a:extLst>
               <a:ext uri="{FF2B5EF4-FFF2-40B4-BE49-F238E27FC236}">
-                <a16:creationId xmlns:a16="http://schemas.microsoft.com/office/drawing/2014/main" id="{0F65E99F-FB2C-EE15-1385-96B4340A5DEA}"/>
+                <a16:creationId xmlns:a16="http://schemas.microsoft.com/office/drawing/2014/main" id="{22039151-66C8-B640-8416-880384ACB26F}"/>
               </a:ext>
             </a:extLst>
           </p:cNvPr>
@@ -1526,7 +1526,7 @@
           <p:cNvPr id="3" name="文本占位符 2">
             <a:extLst>
               <a:ext uri="{FF2B5EF4-FFF2-40B4-BE49-F238E27FC236}">
-                <a16:creationId xmlns:a16="http://schemas.microsoft.com/office/drawing/2014/main" id="{D42FADAD-602A-33AC-6A7C-25B87632311E}"/>
+                <a16:creationId xmlns:a16="http://schemas.microsoft.com/office/drawing/2014/main" id="{CDC1166F-34DC-164E-52BF-3166AE4C8EDA}"/>
               </a:ext>
             </a:extLst>
           </p:cNvPr>
@@ -1597,7 +1597,7 @@
           <p:cNvPr id="4" name="内容占位符 3">
             <a:extLst>
               <a:ext uri="{FF2B5EF4-FFF2-40B4-BE49-F238E27FC236}">
-                <a16:creationId xmlns:a16="http://schemas.microsoft.com/office/drawing/2014/main" id="{1F816F19-F75E-0899-0358-34DF7F0AC11B}"/>
+                <a16:creationId xmlns:a16="http://schemas.microsoft.com/office/drawing/2014/main" id="{F48331C5-DE15-7EFB-05C8-1AABF16896D0}"/>
               </a:ext>
             </a:extLst>
           </p:cNvPr>
@@ -1659,7 +1659,7 @@
           <p:cNvPr id="5" name="文本占位符 4">
             <a:extLst>
               <a:ext uri="{FF2B5EF4-FFF2-40B4-BE49-F238E27FC236}">
-                <a16:creationId xmlns:a16="http://schemas.microsoft.com/office/drawing/2014/main" id="{D9FAF81D-D4DC-1525-E09A-50951F3EA38A}"/>
+                <a16:creationId xmlns:a16="http://schemas.microsoft.com/office/drawing/2014/main" id="{E790E849-29A5-32C1-DA9E-0489B6100464}"/>
               </a:ext>
             </a:extLst>
           </p:cNvPr>
@@ -1730,7 +1730,7 @@
           <p:cNvPr id="6" name="内容占位符 5">
             <a:extLst>
               <a:ext uri="{FF2B5EF4-FFF2-40B4-BE49-F238E27FC236}">
-                <a16:creationId xmlns:a16="http://schemas.microsoft.com/office/drawing/2014/main" id="{1110A458-EE3D-7F08-85E8-411984D64F3E}"/>
+                <a16:creationId xmlns:a16="http://schemas.microsoft.com/office/drawing/2014/main" id="{E28E95AF-ED90-437A-FA03-7BA8DF8C9D83}"/>
               </a:ext>
             </a:extLst>
           </p:cNvPr>
@@ -1792,7 +1792,7 @@
           <p:cNvPr id="7" name="日期占位符 6">
             <a:extLst>
               <a:ext uri="{FF2B5EF4-FFF2-40B4-BE49-F238E27FC236}">
-                <a16:creationId xmlns:a16="http://schemas.microsoft.com/office/drawing/2014/main" id="{1AC3799B-421B-0F92-A823-D2FA4EEB7D8D}"/>
+                <a16:creationId xmlns:a16="http://schemas.microsoft.com/office/drawing/2014/main" id="{1B5B9736-FAC7-60AD-46DB-3FE0A7A5C5FD}"/>
               </a:ext>
             </a:extLst>
           </p:cNvPr>
@@ -1808,7 +1808,7 @@
           <a:bodyPr/>
           <a:lstStyle/>
           <a:p>
-            <a:fld id="{629E09D4-D39B-43CF-B880-F4A5C2CAB751}" type="datetimeFigureOut">
+            <a:fld id="{E97FD55F-3445-4D0E-B656-FE48897A5F48}" type="datetimeFigureOut">
               <a:rPr lang="zh-CN" altLang="en-US" smtClean="0"/>
               <a:t>2024/3/10</a:t>
             </a:fld>
@@ -1821,7 +1821,7 @@
           <p:cNvPr id="8" name="页脚占位符 7">
             <a:extLst>
               <a:ext uri="{FF2B5EF4-FFF2-40B4-BE49-F238E27FC236}">
-                <a16:creationId xmlns:a16="http://schemas.microsoft.com/office/drawing/2014/main" id="{EDA0F544-6F81-6B24-F12B-D7528BE3A7E7}"/>
+                <a16:creationId xmlns:a16="http://schemas.microsoft.com/office/drawing/2014/main" id="{205F1CCA-73CA-2C65-280D-BF3F3FA0E217}"/>
               </a:ext>
             </a:extLst>
           </p:cNvPr>
@@ -1846,7 +1846,7 @@
           <p:cNvPr id="9" name="灯片编号占位符 8">
             <a:extLst>
               <a:ext uri="{FF2B5EF4-FFF2-40B4-BE49-F238E27FC236}">
-                <a16:creationId xmlns:a16="http://schemas.microsoft.com/office/drawing/2014/main" id="{B11AA3B2-8CD0-6242-BE75-E9BADCC18FC4}"/>
+                <a16:creationId xmlns:a16="http://schemas.microsoft.com/office/drawing/2014/main" id="{9810C7CC-5178-B8B9-1162-69870C76B17B}"/>
               </a:ext>
             </a:extLst>
           </p:cNvPr>
@@ -1862,7 +1862,7 @@
           <a:bodyPr/>
           <a:lstStyle/>
           <a:p>
-            <a:fld id="{5494D30A-6C94-4C60-86B7-45C311EA53FD}" type="slidenum">
+            <a:fld id="{5AEBF2D7-650D-4A20-9A01-806A6D1F334E}" type="slidenum">
               <a:rPr lang="zh-CN" altLang="en-US" smtClean="0"/>
               <a:t>‹#›</a:t>
             </a:fld>
@@ -1873,7 +1873,7 @@
     </p:spTree>
     <p:extLst>
       <p:ext uri="{BB962C8B-B14F-4D97-AF65-F5344CB8AC3E}">
-        <p14:creationId xmlns:p14="http://schemas.microsoft.com/office/powerpoint/2010/main" val="2583307642"/>
+        <p14:creationId xmlns:p14="http://schemas.microsoft.com/office/powerpoint/2010/main" val="1321013225"/>
       </p:ext>
     </p:extLst>
   </p:cSld>
@@ -1905,7 +1905,7 @@
           <p:cNvPr id="2" name="标题 1">
             <a:extLst>
               <a:ext uri="{FF2B5EF4-FFF2-40B4-BE49-F238E27FC236}">
-                <a16:creationId xmlns:a16="http://schemas.microsoft.com/office/drawing/2014/main" id="{9D85586C-36EF-D972-D937-7E888FD5B259}"/>
+                <a16:creationId xmlns:a16="http://schemas.microsoft.com/office/drawing/2014/main" id="{94B24FB5-510F-5B75-9D74-FBEE8C0C4DC9}"/>
               </a:ext>
             </a:extLst>
           </p:cNvPr>
@@ -1933,7 +1933,7 @@
           <p:cNvPr id="3" name="日期占位符 2">
             <a:extLst>
               <a:ext uri="{FF2B5EF4-FFF2-40B4-BE49-F238E27FC236}">
-                <a16:creationId xmlns:a16="http://schemas.microsoft.com/office/drawing/2014/main" id="{BA3FD2C7-7AF8-4887-EB2D-A59BD8D01CBE}"/>
+                <a16:creationId xmlns:a16="http://schemas.microsoft.com/office/drawing/2014/main" id="{8659C0CE-25B1-BC43-2679-43E39819E40F}"/>
               </a:ext>
             </a:extLst>
           </p:cNvPr>
@@ -1949,7 +1949,7 @@
           <a:bodyPr/>
           <a:lstStyle/>
           <a:p>
-            <a:fld id="{629E09D4-D39B-43CF-B880-F4A5C2CAB751}" type="datetimeFigureOut">
+            <a:fld id="{E97FD55F-3445-4D0E-B656-FE48897A5F48}" type="datetimeFigureOut">
               <a:rPr lang="zh-CN" altLang="en-US" smtClean="0"/>
               <a:t>2024/3/10</a:t>
             </a:fld>
@@ -1962,7 +1962,7 @@
           <p:cNvPr id="4" name="页脚占位符 3">
             <a:extLst>
               <a:ext uri="{FF2B5EF4-FFF2-40B4-BE49-F238E27FC236}">
-                <a16:creationId xmlns:a16="http://schemas.microsoft.com/office/drawing/2014/main" id="{D273FC17-B103-0F7A-9456-3938E4FA458C}"/>
+                <a16:creationId xmlns:a16="http://schemas.microsoft.com/office/drawing/2014/main" id="{0B91FD08-0758-A11E-3239-5AD85091A899}"/>
               </a:ext>
             </a:extLst>
           </p:cNvPr>
@@ -1987,7 +1987,7 @@
           <p:cNvPr id="5" name="灯片编号占位符 4">
             <a:extLst>
               <a:ext uri="{FF2B5EF4-FFF2-40B4-BE49-F238E27FC236}">
-                <a16:creationId xmlns:a16="http://schemas.microsoft.com/office/drawing/2014/main" id="{4C264652-02B5-355B-3F9E-617E27DE12FE}"/>
+                <a16:creationId xmlns:a16="http://schemas.microsoft.com/office/drawing/2014/main" id="{5B252B0B-1A01-590D-F963-6B5C74E660A4}"/>
               </a:ext>
             </a:extLst>
           </p:cNvPr>
@@ -2003,7 +2003,7 @@
           <a:bodyPr/>
           <a:lstStyle/>
           <a:p>
-            <a:fld id="{5494D30A-6C94-4C60-86B7-45C311EA53FD}" type="slidenum">
+            <a:fld id="{5AEBF2D7-650D-4A20-9A01-806A6D1F334E}" type="slidenum">
               <a:rPr lang="zh-CN" altLang="en-US" smtClean="0"/>
               <a:t>‹#›</a:t>
             </a:fld>
@@ -2014,7 +2014,7 @@
     </p:spTree>
     <p:extLst>
       <p:ext uri="{BB962C8B-B14F-4D97-AF65-F5344CB8AC3E}">
-        <p14:creationId xmlns:p14="http://schemas.microsoft.com/office/powerpoint/2010/main" val="3705670713"/>
+        <p14:creationId xmlns:p14="http://schemas.microsoft.com/office/powerpoint/2010/main" val="2030643694"/>
       </p:ext>
     </p:extLst>
   </p:cSld>
@@ -2046,7 +2046,7 @@
           <p:cNvPr id="2" name="日期占位符 1">
             <a:extLst>
               <a:ext uri="{FF2B5EF4-FFF2-40B4-BE49-F238E27FC236}">
-                <a16:creationId xmlns:a16="http://schemas.microsoft.com/office/drawing/2014/main" id="{CBECA20E-4A4E-EF87-8C18-7BA015C69FC5}"/>
+                <a16:creationId xmlns:a16="http://schemas.microsoft.com/office/drawing/2014/main" id="{7DFC7508-06C9-79CC-E2A6-DE25FAC24F48}"/>
               </a:ext>
             </a:extLst>
           </p:cNvPr>
@@ -2062,7 +2062,7 @@
           <a:bodyPr/>
           <a:lstStyle/>
           <a:p>
-            <a:fld id="{629E09D4-D39B-43CF-B880-F4A5C2CAB751}" type="datetimeFigureOut">
+            <a:fld id="{E97FD55F-3445-4D0E-B656-FE48897A5F48}" type="datetimeFigureOut">
               <a:rPr lang="zh-CN" altLang="en-US" smtClean="0"/>
               <a:t>2024/3/10</a:t>
             </a:fld>
@@ -2075,7 +2075,7 @@
           <p:cNvPr id="3" name="页脚占位符 2">
             <a:extLst>
               <a:ext uri="{FF2B5EF4-FFF2-40B4-BE49-F238E27FC236}">
-                <a16:creationId xmlns:a16="http://schemas.microsoft.com/office/drawing/2014/main" id="{0A6995F6-35BE-A390-5604-F2E9839E6191}"/>
+                <a16:creationId xmlns:a16="http://schemas.microsoft.com/office/drawing/2014/main" id="{3F554BB8-062D-0EEB-D1E2-C6BFDF3A789F}"/>
               </a:ext>
             </a:extLst>
           </p:cNvPr>
@@ -2100,7 +2100,7 @@
           <p:cNvPr id="4" name="灯片编号占位符 3">
             <a:extLst>
               <a:ext uri="{FF2B5EF4-FFF2-40B4-BE49-F238E27FC236}">
-                <a16:creationId xmlns:a16="http://schemas.microsoft.com/office/drawing/2014/main" id="{CDAC07D0-69D9-E47C-8FF4-FD48319E79C2}"/>
+                <a16:creationId xmlns:a16="http://schemas.microsoft.com/office/drawing/2014/main" id="{29972A9A-A768-CC4B-7220-E8D37EE021D8}"/>
               </a:ext>
             </a:extLst>
           </p:cNvPr>
@@ -2116,7 +2116,7 @@
           <a:bodyPr/>
           <a:lstStyle/>
           <a:p>
-            <a:fld id="{5494D30A-6C94-4C60-86B7-45C311EA53FD}" type="slidenum">
+            <a:fld id="{5AEBF2D7-650D-4A20-9A01-806A6D1F334E}" type="slidenum">
               <a:rPr lang="zh-CN" altLang="en-US" smtClean="0"/>
               <a:t>‹#›</a:t>
             </a:fld>
@@ -2127,7 +2127,7 @@
     </p:spTree>
     <p:extLst>
       <p:ext uri="{BB962C8B-B14F-4D97-AF65-F5344CB8AC3E}">
-        <p14:creationId xmlns:p14="http://schemas.microsoft.com/office/powerpoint/2010/main" val="61956024"/>
+        <p14:creationId xmlns:p14="http://schemas.microsoft.com/office/powerpoint/2010/main" val="2103788181"/>
       </p:ext>
     </p:extLst>
   </p:cSld>
@@ -2159,7 +2159,7 @@
           <p:cNvPr id="2" name="标题 1">
             <a:extLst>
               <a:ext uri="{FF2B5EF4-FFF2-40B4-BE49-F238E27FC236}">
-                <a16:creationId xmlns:a16="http://schemas.microsoft.com/office/drawing/2014/main" id="{869BDA92-F992-6E39-76EA-5AE423BD52B5}"/>
+                <a16:creationId xmlns:a16="http://schemas.microsoft.com/office/drawing/2014/main" id="{AF2CE999-B5E6-E4CF-5FDB-3F73BCD8714F}"/>
               </a:ext>
             </a:extLst>
           </p:cNvPr>
@@ -2196,7 +2196,7 @@
           <p:cNvPr id="3" name="内容占位符 2">
             <a:extLst>
               <a:ext uri="{FF2B5EF4-FFF2-40B4-BE49-F238E27FC236}">
-                <a16:creationId xmlns:a16="http://schemas.microsoft.com/office/drawing/2014/main" id="{47A70FAA-3F5A-BFE4-2F49-BEECC2ECACEE}"/>
+                <a16:creationId xmlns:a16="http://schemas.microsoft.com/office/drawing/2014/main" id="{A9C9844F-76F9-582C-B72C-B70570D2AC83}"/>
               </a:ext>
             </a:extLst>
           </p:cNvPr>
@@ -2286,7 +2286,7 @@
           <p:cNvPr id="4" name="文本占位符 3">
             <a:extLst>
               <a:ext uri="{FF2B5EF4-FFF2-40B4-BE49-F238E27FC236}">
-                <a16:creationId xmlns:a16="http://schemas.microsoft.com/office/drawing/2014/main" id="{967F30AF-1962-60E5-3D07-53771B485762}"/>
+                <a16:creationId xmlns:a16="http://schemas.microsoft.com/office/drawing/2014/main" id="{08346B86-CEE6-520E-7046-6A54BE21CAE1}"/>
               </a:ext>
             </a:extLst>
           </p:cNvPr>
@@ -2357,7 +2357,7 @@
           <p:cNvPr id="5" name="日期占位符 4">
             <a:extLst>
               <a:ext uri="{FF2B5EF4-FFF2-40B4-BE49-F238E27FC236}">
-                <a16:creationId xmlns:a16="http://schemas.microsoft.com/office/drawing/2014/main" id="{09329B96-EC44-04A4-4378-CCF675C72EF2}"/>
+                <a16:creationId xmlns:a16="http://schemas.microsoft.com/office/drawing/2014/main" id="{ACF87D07-7882-9036-8D29-344AB4212391}"/>
               </a:ext>
             </a:extLst>
           </p:cNvPr>
@@ -2373,7 +2373,7 @@
           <a:bodyPr/>
           <a:lstStyle/>
           <a:p>
-            <a:fld id="{629E09D4-D39B-43CF-B880-F4A5C2CAB751}" type="datetimeFigureOut">
+            <a:fld id="{E97FD55F-3445-4D0E-B656-FE48897A5F48}" type="datetimeFigureOut">
               <a:rPr lang="zh-CN" altLang="en-US" smtClean="0"/>
               <a:t>2024/3/10</a:t>
             </a:fld>
@@ -2386,7 +2386,7 @@
           <p:cNvPr id="6" name="页脚占位符 5">
             <a:extLst>
               <a:ext uri="{FF2B5EF4-FFF2-40B4-BE49-F238E27FC236}">
-                <a16:creationId xmlns:a16="http://schemas.microsoft.com/office/drawing/2014/main" id="{11A5531A-572C-12A7-0F55-1603689FC9D3}"/>
+                <a16:creationId xmlns:a16="http://schemas.microsoft.com/office/drawing/2014/main" id="{CD48CCDC-FFB0-07B5-376A-4EC07A1E79BD}"/>
               </a:ext>
             </a:extLst>
           </p:cNvPr>
@@ -2411,7 +2411,7 @@
           <p:cNvPr id="7" name="灯片编号占位符 6">
             <a:extLst>
               <a:ext uri="{FF2B5EF4-FFF2-40B4-BE49-F238E27FC236}">
-                <a16:creationId xmlns:a16="http://schemas.microsoft.com/office/drawing/2014/main" id="{349770F0-AF00-542C-9D40-F86B7311088D}"/>
+                <a16:creationId xmlns:a16="http://schemas.microsoft.com/office/drawing/2014/main" id="{9E43AE43-F43F-30F4-ED0E-E93690AA8AD3}"/>
               </a:ext>
             </a:extLst>
           </p:cNvPr>
@@ -2427,7 +2427,7 @@
           <a:bodyPr/>
           <a:lstStyle/>
           <a:p>
-            <a:fld id="{5494D30A-6C94-4C60-86B7-45C311EA53FD}" type="slidenum">
+            <a:fld id="{5AEBF2D7-650D-4A20-9A01-806A6D1F334E}" type="slidenum">
               <a:rPr lang="zh-CN" altLang="en-US" smtClean="0"/>
               <a:t>‹#›</a:t>
             </a:fld>
@@ -2438,7 +2438,7 @@
     </p:spTree>
     <p:extLst>
       <p:ext uri="{BB962C8B-B14F-4D97-AF65-F5344CB8AC3E}">
-        <p14:creationId xmlns:p14="http://schemas.microsoft.com/office/powerpoint/2010/main" val="112385236"/>
+        <p14:creationId xmlns:p14="http://schemas.microsoft.com/office/powerpoint/2010/main" val="3882647060"/>
       </p:ext>
     </p:extLst>
   </p:cSld>
@@ -2470,7 +2470,7 @@
           <p:cNvPr id="2" name="标题 1">
             <a:extLst>
               <a:ext uri="{FF2B5EF4-FFF2-40B4-BE49-F238E27FC236}">
-                <a16:creationId xmlns:a16="http://schemas.microsoft.com/office/drawing/2014/main" id="{7CDD528D-B955-0A71-18B1-2D8A82DEFADD}"/>
+                <a16:creationId xmlns:a16="http://schemas.microsoft.com/office/drawing/2014/main" id="{0278C5D9-9433-2B11-2E77-4A7BCA5C3A2C}"/>
               </a:ext>
             </a:extLst>
           </p:cNvPr>
@@ -2507,7 +2507,7 @@
           <p:cNvPr id="3" name="图片占位符 2">
             <a:extLst>
               <a:ext uri="{FF2B5EF4-FFF2-40B4-BE49-F238E27FC236}">
-                <a16:creationId xmlns:a16="http://schemas.microsoft.com/office/drawing/2014/main" id="{3D180D0A-A75B-A8BB-95DB-9E3B61CFABD5}"/>
+                <a16:creationId xmlns:a16="http://schemas.microsoft.com/office/drawing/2014/main" id="{EBB44D78-E297-633C-99AB-D44F5A93BCE0}"/>
               </a:ext>
             </a:extLst>
           </p:cNvPr>
@@ -2574,7 +2574,7 @@
           <p:cNvPr id="4" name="文本占位符 3">
             <a:extLst>
               <a:ext uri="{FF2B5EF4-FFF2-40B4-BE49-F238E27FC236}">
-                <a16:creationId xmlns:a16="http://schemas.microsoft.com/office/drawing/2014/main" id="{CB94ED2D-DD05-6BAE-E498-25F7735D3A29}"/>
+                <a16:creationId xmlns:a16="http://schemas.microsoft.com/office/drawing/2014/main" id="{3F7DD148-8AD3-2F46-5126-902E6EFF2A42}"/>
               </a:ext>
             </a:extLst>
           </p:cNvPr>
@@ -2645,7 +2645,7 @@
           <p:cNvPr id="5" name="日期占位符 4">
             <a:extLst>
               <a:ext uri="{FF2B5EF4-FFF2-40B4-BE49-F238E27FC236}">
-                <a16:creationId xmlns:a16="http://schemas.microsoft.com/office/drawing/2014/main" id="{FA519860-3D65-7F46-585E-90B93E036298}"/>
+                <a16:creationId xmlns:a16="http://schemas.microsoft.com/office/drawing/2014/main" id="{C0E6190D-3EB4-9BFD-72D4-E714A58D4035}"/>
               </a:ext>
             </a:extLst>
           </p:cNvPr>
@@ -2661,7 +2661,7 @@
           <a:bodyPr/>
           <a:lstStyle/>
           <a:p>
-            <a:fld id="{629E09D4-D39B-43CF-B880-F4A5C2CAB751}" type="datetimeFigureOut">
+            <a:fld id="{E97FD55F-3445-4D0E-B656-FE48897A5F48}" type="datetimeFigureOut">
               <a:rPr lang="zh-CN" altLang="en-US" smtClean="0"/>
               <a:t>2024/3/10</a:t>
             </a:fld>
@@ -2674,7 +2674,7 @@
           <p:cNvPr id="6" name="页脚占位符 5">
             <a:extLst>
               <a:ext uri="{FF2B5EF4-FFF2-40B4-BE49-F238E27FC236}">
-                <a16:creationId xmlns:a16="http://schemas.microsoft.com/office/drawing/2014/main" id="{A1E4BC7C-6423-E8BA-6EE8-AC2EB156B4B4}"/>
+                <a16:creationId xmlns:a16="http://schemas.microsoft.com/office/drawing/2014/main" id="{B0825CEE-AEBB-9D95-12FC-893129ABD781}"/>
               </a:ext>
             </a:extLst>
           </p:cNvPr>
@@ -2699,7 +2699,7 @@
           <p:cNvPr id="7" name="灯片编号占位符 6">
             <a:extLst>
               <a:ext uri="{FF2B5EF4-FFF2-40B4-BE49-F238E27FC236}">
-                <a16:creationId xmlns:a16="http://schemas.microsoft.com/office/drawing/2014/main" id="{2044AC56-D003-0E8D-DE4E-23A201E0089F}"/>
+                <a16:creationId xmlns:a16="http://schemas.microsoft.com/office/drawing/2014/main" id="{0E5A29E5-7728-F06C-0315-C82B876D0A66}"/>
               </a:ext>
             </a:extLst>
           </p:cNvPr>
@@ -2715,7 +2715,7 @@
           <a:bodyPr/>
           <a:lstStyle/>
           <a:p>
-            <a:fld id="{5494D30A-6C94-4C60-86B7-45C311EA53FD}" type="slidenum">
+            <a:fld id="{5AEBF2D7-650D-4A20-9A01-806A6D1F334E}" type="slidenum">
               <a:rPr lang="zh-CN" altLang="en-US" smtClean="0"/>
               <a:t>‹#›</a:t>
             </a:fld>
@@ -2726,7 +2726,7 @@
     </p:spTree>
     <p:extLst>
       <p:ext uri="{BB962C8B-B14F-4D97-AF65-F5344CB8AC3E}">
-        <p14:creationId xmlns:p14="http://schemas.microsoft.com/office/powerpoint/2010/main" val="1548643881"/>
+        <p14:creationId xmlns:p14="http://schemas.microsoft.com/office/powerpoint/2010/main" val="3020353884"/>
       </p:ext>
     </p:extLst>
   </p:cSld>
@@ -2763,7 +2763,7 @@
           <p:cNvPr id="2" name="标题占位符 1">
             <a:extLst>
               <a:ext uri="{FF2B5EF4-FFF2-40B4-BE49-F238E27FC236}">
-                <a16:creationId xmlns:a16="http://schemas.microsoft.com/office/drawing/2014/main" id="{F7A93D9B-7A99-D766-6BF9-01CC4A2D2911}"/>
+                <a16:creationId xmlns:a16="http://schemas.microsoft.com/office/drawing/2014/main" id="{9CCAF501-2EAA-8805-C3F1-375DEBB18A5E}"/>
               </a:ext>
             </a:extLst>
           </p:cNvPr>
@@ -2801,7 +2801,7 @@
           <p:cNvPr id="3" name="文本占位符 2">
             <a:extLst>
               <a:ext uri="{FF2B5EF4-FFF2-40B4-BE49-F238E27FC236}">
-                <a16:creationId xmlns:a16="http://schemas.microsoft.com/office/drawing/2014/main" id="{B96ACBE4-04EF-9C9C-AE46-8CD93D7A1F7C}"/>
+                <a16:creationId xmlns:a16="http://schemas.microsoft.com/office/drawing/2014/main" id="{369CB078-B5CD-12BC-D0C7-85BD0BB289AE}"/>
               </a:ext>
             </a:extLst>
           </p:cNvPr>
@@ -2868,7 +2868,7 @@
           <p:cNvPr id="4" name="日期占位符 3">
             <a:extLst>
               <a:ext uri="{FF2B5EF4-FFF2-40B4-BE49-F238E27FC236}">
-                <a16:creationId xmlns:a16="http://schemas.microsoft.com/office/drawing/2014/main" id="{918C6CDE-32D0-8ABB-A746-69DEE7623427}"/>
+                <a16:creationId xmlns:a16="http://schemas.microsoft.com/office/drawing/2014/main" id="{45D7DB9F-F833-3D4F-C529-8F8AA5E89D8D}"/>
               </a:ext>
             </a:extLst>
           </p:cNvPr>
@@ -2902,7 +2902,7 @@
             </a:lvl1pPr>
           </a:lstStyle>
           <a:p>
-            <a:fld id="{629E09D4-D39B-43CF-B880-F4A5C2CAB751}" type="datetimeFigureOut">
+            <a:fld id="{E97FD55F-3445-4D0E-B656-FE48897A5F48}" type="datetimeFigureOut">
               <a:rPr lang="zh-CN" altLang="en-US" smtClean="0"/>
               <a:t>2024/3/10</a:t>
             </a:fld>
@@ -2915,7 +2915,7 @@
           <p:cNvPr id="5" name="页脚占位符 4">
             <a:extLst>
               <a:ext uri="{FF2B5EF4-FFF2-40B4-BE49-F238E27FC236}">
-                <a16:creationId xmlns:a16="http://schemas.microsoft.com/office/drawing/2014/main" id="{2CAFE3C7-D018-3CC5-A8CC-B664BCDAB856}"/>
+                <a16:creationId xmlns:a16="http://schemas.microsoft.com/office/drawing/2014/main" id="{2A82B923-44E2-8178-9B76-BC801059E321}"/>
               </a:ext>
             </a:extLst>
           </p:cNvPr>
@@ -2958,7 +2958,7 @@
           <p:cNvPr id="6" name="灯片编号占位符 5">
             <a:extLst>
               <a:ext uri="{FF2B5EF4-FFF2-40B4-BE49-F238E27FC236}">
-                <a16:creationId xmlns:a16="http://schemas.microsoft.com/office/drawing/2014/main" id="{B9396D93-1570-EF75-546A-C3750BF52170}"/>
+                <a16:creationId xmlns:a16="http://schemas.microsoft.com/office/drawing/2014/main" id="{B16B7D77-5A0E-1B32-6598-50D93D81488F}"/>
               </a:ext>
             </a:extLst>
           </p:cNvPr>
@@ -2992,7 +2992,7 @@
             </a:lvl1pPr>
           </a:lstStyle>
           <a:p>
-            <a:fld id="{5494D30A-6C94-4C60-86B7-45C311EA53FD}" type="slidenum">
+            <a:fld id="{5AEBF2D7-650D-4A20-9A01-806A6D1F334E}" type="slidenum">
               <a:rPr lang="zh-CN" altLang="en-US" smtClean="0"/>
               <a:t>‹#›</a:t>
             </a:fld>
@@ -3003,7 +3003,7 @@
     </p:spTree>
     <p:extLst>
       <p:ext uri="{BB962C8B-B14F-4D97-AF65-F5344CB8AC3E}">
-        <p14:creationId xmlns:p14="http://schemas.microsoft.com/office/powerpoint/2010/main" val="3360555720"/>
+        <p14:creationId xmlns:p14="http://schemas.microsoft.com/office/powerpoint/2010/main" val="2310033730"/>
       </p:ext>
     </p:extLst>
   </p:cSld>
